--- a/Azure Learning/Azure Intro.pptx
+++ b/Azure Learning/Azure Intro.pptx
@@ -6570,7 +6570,7 @@
           <a:p>
             <a:fld id="{21925706-42A4-42C4-994B-3D621D594325}" type="datetimeFigureOut">
               <a:rPr lang="en-US" smtClean="0"/>
-              <a:t>6/10/2024</a:t>
+              <a:t>9/24/2024</a:t>
             </a:fld>
             <a:endParaRPr lang="en-US"/>
           </a:p>
@@ -7268,7 +7268,7 @@
           <a:effectLst/>
           <a:extLst>
             <a:ext uri="{91240B29-F687-4f45-9708-019B960494DF}">
-              <a14:hiddenLine xmlns:a14="http://schemas.microsoft.com/office/drawing/2010/main" xmlns="" w="9525">
+              <a14:hiddenLine xmlns="" xmlns:a14="http://schemas.microsoft.com/office/drawing/2010/main" w="9525">
                 <a:solidFill>
                   <a:srgbClr val="000000"/>
                 </a:solidFill>
@@ -7458,9 +7458,9 @@
           <a:bodyPr/>
           <a:lstStyle/>
           <a:p>
-            <a:fld id="{D490E1FF-7B26-4675-8D4D-C1822523F89D}" type="datetime1">
+            <a:fld id="{3379488F-655E-41E5-ABD2-2B307E503176}" type="datetime1">
               <a:rPr lang="en-US" smtClean="0"/>
-              <a:t>6/10/2024</a:t>
+              <a:t>9/24/2024</a:t>
             </a:fld>
             <a:endParaRPr lang="en-US"/>
           </a:p>
@@ -7780,9 +7780,9 @@
           <a:bodyPr/>
           <a:lstStyle/>
           <a:p>
-            <a:fld id="{274B90ED-E9A4-474D-A02D-A3264E365DBB}" type="datetime1">
+            <a:fld id="{0369BF40-CF2C-4DAE-A14A-0470AD927AB1}" type="datetime1">
               <a:rPr lang="en-US" smtClean="0"/>
-              <a:t>6/10/2024</a:t>
+              <a:t>9/24/2024</a:t>
             </a:fld>
             <a:endParaRPr lang="en-US"/>
           </a:p>
@@ -8272,9 +8272,9 @@
           <a:bodyPr/>
           <a:lstStyle/>
           <a:p>
-            <a:fld id="{2E853A37-162B-4E19-82AA-16AF17BFC341}" type="datetime1">
+            <a:fld id="{1BE65A3C-94F8-4526-BF1F-1AF7C79CB168}" type="datetime1">
               <a:rPr lang="en-US" smtClean="0"/>
-              <a:t>6/10/2024</a:t>
+              <a:t>9/24/2024</a:t>
             </a:fld>
             <a:endParaRPr lang="en-US"/>
           </a:p>
@@ -8645,9 +8645,9 @@
           <a:bodyPr/>
           <a:lstStyle/>
           <a:p>
-            <a:fld id="{FC341A9A-D209-4947-AB18-773CFAB05321}" type="datetime1">
+            <a:fld id="{99BD3DD4-20E6-4B58-BD75-3BE45527DA82}" type="datetime1">
               <a:rPr lang="en-US" smtClean="0"/>
-              <a:t>6/10/2024</a:t>
+              <a:t>9/24/2024</a:t>
             </a:fld>
             <a:endParaRPr lang="en-US"/>
           </a:p>
@@ -8806,7 +8806,7 @@
           <a:ln/>
           <a:extLst>
             <a:ext uri="{91240B29-F687-4f45-9708-019B960494DF}">
-              <a14:hiddenLine xmlns:a14="http://schemas.microsoft.com/office/drawing/2010/main" xmlns="" w="9525">
+              <a14:hiddenLine xmlns="" xmlns:a14="http://schemas.microsoft.com/office/drawing/2010/main" w="9525">
                 <a:solidFill>
                   <a:srgbClr val="000000"/>
                 </a:solidFill>
@@ -8922,9 +8922,9 @@
           <a:bodyPr/>
           <a:lstStyle/>
           <a:p>
-            <a:fld id="{864BA075-137A-4B94-A343-49CF66EB0172}" type="datetime1">
+            <a:fld id="{FBFADA6B-7207-4603-A1B0-2CFC2C635827}" type="datetime1">
               <a:rPr lang="en-US" smtClean="0"/>
-              <a:t>6/10/2024</a:t>
+              <a:t>9/24/2024</a:t>
             </a:fld>
             <a:endParaRPr lang="en-US"/>
           </a:p>
@@ -9085,7 +9085,7 @@
           <a:ln/>
           <a:extLst>
             <a:ext uri="{91240B29-F687-4f45-9708-019B960494DF}">
-              <a14:hiddenLine xmlns:a14="http://schemas.microsoft.com/office/drawing/2010/main" xmlns="" w="9525">
+              <a14:hiddenLine xmlns="" xmlns:a14="http://schemas.microsoft.com/office/drawing/2010/main" w="9525">
                 <a:solidFill>
                   <a:srgbClr val="000000"/>
                 </a:solidFill>
@@ -9211,9 +9211,9 @@
           <a:bodyPr/>
           <a:lstStyle/>
           <a:p>
-            <a:fld id="{AAA7DF4D-1A21-48CC-BD99-25E316E552CD}" type="datetime1">
+            <a:fld id="{7C7ABE8F-C64F-41D5-8413-F2476029E054}" type="datetime1">
               <a:rPr lang="en-US" smtClean="0"/>
-              <a:t>6/10/2024</a:t>
+              <a:t>9/24/2024</a:t>
             </a:fld>
             <a:endParaRPr lang="en-US"/>
           </a:p>
@@ -9372,7 +9372,7 @@
           <a:ln/>
           <a:extLst>
             <a:ext uri="{91240B29-F687-4f45-9708-019B960494DF}">
-              <a14:hiddenLine xmlns:a14="http://schemas.microsoft.com/office/drawing/2010/main" xmlns="" w="9525">
+              <a14:hiddenLine xmlns="" xmlns:a14="http://schemas.microsoft.com/office/drawing/2010/main" w="9525">
                 <a:solidFill>
                   <a:srgbClr val="000000"/>
                 </a:solidFill>
@@ -9498,9 +9498,9 @@
           <a:bodyPr/>
           <a:lstStyle/>
           <a:p>
-            <a:fld id="{35529856-69CC-4B2A-959D-2B59E9F9946B}" type="datetime1">
+            <a:fld id="{0D31F021-8D3A-4F91-B37F-AE35E590E38E}" type="datetime1">
               <a:rPr lang="en-US" smtClean="0"/>
-              <a:t>6/10/2024</a:t>
+              <a:t>9/24/2024</a:t>
             </a:fld>
             <a:endParaRPr lang="en-US"/>
           </a:p>
@@ -9845,9 +9845,9 @@
           <a:bodyPr/>
           <a:lstStyle/>
           <a:p>
-            <a:fld id="{810F0636-A572-440F-9EBB-8018D9F7EF96}" type="datetime1">
+            <a:fld id="{4458D78F-E109-4E50-9110-9442C8DEB2AB}" type="datetime1">
               <a:rPr lang="en-US" smtClean="0"/>
-              <a:t>6/10/2024</a:t>
+              <a:t>9/24/2024</a:t>
             </a:fld>
             <a:endParaRPr lang="en-US"/>
           </a:p>
@@ -10006,7 +10006,7 @@
           <a:ln/>
           <a:extLst>
             <a:ext uri="{91240B29-F687-4f45-9708-019B960494DF}">
-              <a14:hiddenLine xmlns:a14="http://schemas.microsoft.com/office/drawing/2010/main" xmlns="" w="9525">
+              <a14:hiddenLine xmlns="" xmlns:a14="http://schemas.microsoft.com/office/drawing/2010/main" w="9525">
                 <a:solidFill>
                   <a:srgbClr val="000000"/>
                 </a:solidFill>
@@ -10188,9 +10188,9 @@
           <a:bodyPr/>
           <a:lstStyle/>
           <a:p>
-            <a:fld id="{C5D87DEF-9EED-41E9-9BB2-4444308813E4}" type="datetime1">
+            <a:fld id="{F53B6D1B-982A-47CE-AA06-F8457376769E}" type="datetime1">
               <a:rPr lang="en-US" smtClean="0"/>
-              <a:t>6/10/2024</a:t>
+              <a:t>9/24/2024</a:t>
             </a:fld>
             <a:endParaRPr lang="en-US"/>
           </a:p>
@@ -10349,7 +10349,7 @@
           <a:ln/>
           <a:extLst>
             <a:ext uri="{91240B29-F687-4f45-9708-019B960494DF}">
-              <a14:hiddenLine xmlns:a14="http://schemas.microsoft.com/office/drawing/2010/main" xmlns="" w="9525">
+              <a14:hiddenLine xmlns="" xmlns:a14="http://schemas.microsoft.com/office/drawing/2010/main" w="9525">
                 <a:solidFill>
                   <a:srgbClr val="000000"/>
                 </a:solidFill>
@@ -10669,9 +10669,9 @@
           <a:bodyPr/>
           <a:lstStyle/>
           <a:p>
-            <a:fld id="{3255AC6D-73F9-4C9D-941D-2C847CBC2E6F}" type="datetime1">
+            <a:fld id="{69A1015B-BCF5-493E-B582-451868744BDA}" type="datetime1">
               <a:rPr lang="en-US" smtClean="0"/>
-              <a:t>6/10/2024</a:t>
+              <a:t>9/24/2024</a:t>
             </a:fld>
             <a:endParaRPr lang="en-US"/>
           </a:p>
@@ -10830,7 +10830,7 @@
           <a:ln/>
           <a:extLst>
             <a:ext uri="{91240B29-F687-4f45-9708-019B960494DF}">
-              <a14:hiddenLine xmlns:a14="http://schemas.microsoft.com/office/drawing/2010/main" xmlns="" w="9525">
+              <a14:hiddenLine xmlns="" xmlns:a14="http://schemas.microsoft.com/office/drawing/2010/main" w="9525">
                 <a:solidFill>
                   <a:srgbClr val="000000"/>
                 </a:solidFill>
@@ -10894,9 +10894,9 @@
           <a:bodyPr/>
           <a:lstStyle/>
           <a:p>
-            <a:fld id="{9255751C-BFD3-4932-ADC4-8CD139BD67F6}" type="datetime1">
+            <a:fld id="{77C68AB2-8FDC-4FA9-83D1-07D4EFF6AFFC}" type="datetime1">
               <a:rPr lang="en-US" smtClean="0"/>
-              <a:t>6/10/2024</a:t>
+              <a:t>9/24/2024</a:t>
             </a:fld>
             <a:endParaRPr lang="en-US"/>
           </a:p>
@@ -10993,9 +10993,9 @@
           <a:bodyPr/>
           <a:lstStyle/>
           <a:p>
-            <a:fld id="{03833E66-6845-43F3-B5AA-0DEC1A9F5CDE}" type="datetime1">
+            <a:fld id="{E78D8FC6-1C4B-4A19-ACB0-8A491C13C5A6}" type="datetime1">
               <a:rPr lang="en-US" smtClean="0"/>
-              <a:t>6/10/2024</a:t>
+              <a:t>9/24/2024</a:t>
             </a:fld>
             <a:endParaRPr lang="en-US"/>
           </a:p>
@@ -11267,7 +11267,7 @@
           <a:ln/>
           <a:extLst>
             <a:ext uri="{91240B29-F687-4f45-9708-019B960494DF}">
-              <a14:hiddenLine xmlns:a14="http://schemas.microsoft.com/office/drawing/2010/main" xmlns="" w="9525">
+              <a14:hiddenLine xmlns="" xmlns:a14="http://schemas.microsoft.com/office/drawing/2010/main" w="9525">
                 <a:solidFill>
                   <a:srgbClr val="000000"/>
                 </a:solidFill>
@@ -11464,9 +11464,9 @@
           <a:bodyPr/>
           <a:lstStyle/>
           <a:p>
-            <a:fld id="{54C1B307-6F4A-4501-BDA6-DED128D52424}" type="datetime1">
+            <a:fld id="{0A0DB302-1F73-407B-A209-C43E08FAEA04}" type="datetime1">
               <a:rPr lang="en-US" smtClean="0"/>
-              <a:t>6/10/2024</a:t>
+              <a:t>9/24/2024</a:t>
             </a:fld>
             <a:endParaRPr lang="en-US"/>
           </a:p>
@@ -11781,9 +11781,9 @@
           <a:bodyPr/>
           <a:lstStyle/>
           <a:p>
-            <a:fld id="{CE4703AE-50A2-4F7C-8FD9-25D29881D9BE}" type="datetime1">
+            <a:fld id="{778C34CC-9D81-48F9-A36E-AD9D4BE1F4A4}" type="datetime1">
               <a:rPr lang="en-US" smtClean="0"/>
-              <a:t>6/10/2024</a:t>
+              <a:t>9/24/2024</a:t>
             </a:fld>
             <a:endParaRPr lang="en-US"/>
           </a:p>
@@ -12058,9 +12058,9 @@
             </a:lvl1pPr>
           </a:lstStyle>
           <a:p>
-            <a:fld id="{22B6F401-CFBE-41A1-BB1B-E123648053B3}" type="datetime1">
+            <a:fld id="{C80D0334-552B-4DD1-8E92-A59AEB842EB7}" type="datetime1">
               <a:rPr lang="en-US" smtClean="0"/>
-              <a:t>6/10/2024</a:t>
+              <a:t>9/24/2024</a:t>
             </a:fld>
             <a:endParaRPr lang="en-US"/>
           </a:p>
